--- a/発表用/1821086_卒業研究発表会(盛り込み) .pptx
+++ b/発表用/1821086_卒業研究発表会(盛り込み) .pptx
@@ -245,7 +245,7 @@
           <a:p>
             <a:fld id="{27571B5F-C8EC-4379-AD76-80FD414F3861}" type="datetimeFigureOut">
               <a:rPr kumimoji="1" lang="ja-JP" altLang="en-US" smtClean="0"/>
-              <a:t>2022/1/15</a:t>
+              <a:t>2022/1/16</a:t>
             </a:fld>
             <a:endParaRPr kumimoji="1" lang="ja-JP" altLang="en-US"/>
           </a:p>
@@ -2479,7 +2479,7 @@
           <a:p>
             <a:fld id="{ED609840-96BF-4512-A2C1-C87E0BBF3D2F}" type="datetime1">
               <a:rPr kumimoji="1" lang="ja-JP" altLang="en-US" smtClean="0"/>
-              <a:t>2022/1/15</a:t>
+              <a:t>2022/1/16</a:t>
             </a:fld>
             <a:endParaRPr kumimoji="1" lang="ja-JP" altLang="en-US"/>
           </a:p>
@@ -2682,7 +2682,7 @@
           <a:p>
             <a:fld id="{F97B6116-28DE-44C1-8891-65688903BD50}" type="datetime1">
               <a:rPr kumimoji="1" lang="ja-JP" altLang="en-US" smtClean="0"/>
-              <a:t>2022/1/15</a:t>
+              <a:t>2022/1/16</a:t>
             </a:fld>
             <a:endParaRPr kumimoji="1" lang="ja-JP" altLang="en-US"/>
           </a:p>
@@ -2895,7 +2895,7 @@
           <a:p>
             <a:fld id="{EDE04BF4-1FC0-40EE-A15F-5986BB2387E9}" type="datetime1">
               <a:rPr kumimoji="1" lang="ja-JP" altLang="en-US" smtClean="0"/>
-              <a:t>2022/1/15</a:t>
+              <a:t>2022/1/16</a:t>
             </a:fld>
             <a:endParaRPr kumimoji="1" lang="ja-JP" altLang="en-US"/>
           </a:p>
@@ -3098,7 +3098,7 @@
           <a:p>
             <a:fld id="{AFE4124D-C094-469A-99BC-7EA66CDB293F}" type="datetime1">
               <a:rPr kumimoji="1" lang="ja-JP" altLang="en-US" smtClean="0"/>
-              <a:t>2022/1/15</a:t>
+              <a:t>2022/1/16</a:t>
             </a:fld>
             <a:endParaRPr kumimoji="1" lang="ja-JP" altLang="en-US"/>
           </a:p>
@@ -3347,7 +3347,7 @@
           <a:p>
             <a:fld id="{F808FAA8-DC38-46BC-9A48-0414366DDF43}" type="datetime1">
               <a:rPr kumimoji="1" lang="ja-JP" altLang="en-US" smtClean="0"/>
-              <a:t>2022/1/15</a:t>
+              <a:t>2022/1/16</a:t>
             </a:fld>
             <a:endParaRPr kumimoji="1" lang="ja-JP" altLang="en-US"/>
           </a:p>
@@ -3644,7 +3644,7 @@
           <a:p>
             <a:fld id="{43B61DD3-8484-4FD8-9D55-71FA047E405C}" type="datetime1">
               <a:rPr kumimoji="1" lang="ja-JP" altLang="en-US" smtClean="0"/>
-              <a:t>2022/1/15</a:t>
+              <a:t>2022/1/16</a:t>
             </a:fld>
             <a:endParaRPr kumimoji="1" lang="ja-JP" altLang="en-US"/>
           </a:p>
@@ -4076,7 +4076,7 @@
           <a:p>
             <a:fld id="{61FE3252-B303-4BFD-B995-E88780D087A2}" type="datetime1">
               <a:rPr kumimoji="1" lang="ja-JP" altLang="en-US" smtClean="0"/>
-              <a:t>2022/1/15</a:t>
+              <a:t>2022/1/16</a:t>
             </a:fld>
             <a:endParaRPr kumimoji="1" lang="ja-JP" altLang="en-US"/>
           </a:p>
@@ -4195,7 +4195,7 @@
           <a:p>
             <a:fld id="{83973884-A525-473B-9B85-E710649C3EE9}" type="datetime1">
               <a:rPr kumimoji="1" lang="ja-JP" altLang="en-US" smtClean="0"/>
-              <a:t>2022/1/15</a:t>
+              <a:t>2022/1/16</a:t>
             </a:fld>
             <a:endParaRPr kumimoji="1" lang="ja-JP" altLang="en-US"/>
           </a:p>
@@ -4291,7 +4291,7 @@
           <a:p>
             <a:fld id="{630B9591-4670-4AF8-B7B7-F5F2443A761A}" type="datetime1">
               <a:rPr kumimoji="1" lang="ja-JP" altLang="en-US" smtClean="0"/>
-              <a:t>2022/1/15</a:t>
+              <a:t>2022/1/16</a:t>
             </a:fld>
             <a:endParaRPr kumimoji="1" lang="ja-JP" altLang="en-US"/>
           </a:p>
@@ -4601,7 +4601,7 @@
           <a:p>
             <a:fld id="{434F6BA0-5DA2-4153-9B76-E2457FA21F47}" type="datetime1">
               <a:rPr kumimoji="1" lang="ja-JP" altLang="en-US" smtClean="0"/>
-              <a:t>2022/1/15</a:t>
+              <a:t>2022/1/16</a:t>
             </a:fld>
             <a:endParaRPr kumimoji="1" lang="ja-JP" altLang="en-US"/>
           </a:p>
@@ -4859,7 +4859,7 @@
           <a:p>
             <a:fld id="{590B58CC-0A81-4826-A84E-1F1030B25368}" type="datetime1">
               <a:rPr kumimoji="1" lang="ja-JP" altLang="en-US" smtClean="0"/>
-              <a:t>2022/1/15</a:t>
+              <a:t>2022/1/16</a:t>
             </a:fld>
             <a:endParaRPr kumimoji="1" lang="ja-JP" altLang="en-US"/>
           </a:p>
@@ -5105,7 +5105,7 @@
           <a:p>
             <a:fld id="{77253A0B-EAD4-46D7-BD2F-C5BFFB89C890}" type="datetime1">
               <a:rPr kumimoji="1" lang="ja-JP" altLang="en-US" smtClean="0"/>
-              <a:t>2022/1/15</a:t>
+              <a:t>2022/1/16</a:t>
             </a:fld>
             <a:endParaRPr kumimoji="1" lang="ja-JP" altLang="en-US"/>
           </a:p>
@@ -8957,7 +8957,7 @@
         <p:spPr/>
         <p:txBody>
           <a:bodyPr>
-            <a:normAutofit lnSpcReduction="10000"/>
+            <a:normAutofit/>
           </a:bodyPr>
           <a:lstStyle/>
           <a:p>
@@ -8998,13 +8998,22 @@
             </a:r>
             <a:r>
               <a:rPr lang="ja-JP" altLang="ja-JP" dirty="0"/>
-              <a:t>こうした設定を自動で適応処理することが出来れば，個人でも気軽に安価な負荷分散が出来ると考える．提案システムの更なる改善と構築が望まれる． </a:t>
-            </a:r>
-          </a:p>
-          <a:p>
+              <a:t>こうした設定を自動で適応処理することが出来れば，個人でも気軽に安価な負荷分散が出来ると考える</a:t>
+            </a:r>
+            <a:r>
+              <a:rPr lang="ja-JP" altLang="ja-JP" dirty="0" smtClean="0"/>
+              <a:t>．</a:t>
+            </a:r>
+            <a:endParaRPr lang="en-US" altLang="ja-JP" smtClean="0"/>
+          </a:p>
+          <a:p>
+            <a:r>
+              <a:rPr lang="ja-JP" altLang="ja-JP" smtClean="0"/>
+              <a:t>電気</a:t>
+            </a:r>
             <a:r>
               <a:rPr lang="ja-JP" altLang="ja-JP" dirty="0"/>
-              <a:t>電気やガス水道などと同じく</a:t>
+              <a:t>やガス水道などと同じく</a:t>
             </a:r>
             <a:r>
               <a:rPr lang="en-US" altLang="ja-JP" dirty="0"/>
@@ -10842,7 +10851,31 @@
           <a:p>
             <a:r>
               <a:rPr lang="ja-JP" altLang="en-US" sz="2900" dirty="0" smtClean="0"/>
-              <a:t>応答速度を考慮したロードバランサの設計と開発．</a:t>
+              <a:t>異種環境を想定した，応答</a:t>
+            </a:r>
+            <a:r>
+              <a:rPr lang="ja-JP" altLang="en-US" sz="2900" dirty="0" smtClean="0"/>
+              <a:t>速度</a:t>
+            </a:r>
+            <a:r>
+              <a:rPr lang="ja-JP" altLang="en-US" sz="2900" dirty="0" smtClean="0"/>
+              <a:t>を</a:t>
+            </a:r>
+            <a:r>
+              <a:rPr lang="ja-JP" altLang="en-US" sz="2900" dirty="0" err="1" smtClean="0"/>
+              <a:t>に</a:t>
+            </a:r>
+            <a:r>
+              <a:rPr lang="ja-JP" altLang="en-US" sz="2900" dirty="0" smtClean="0"/>
+              <a:t>基づく動的割り振りを行うロードバランサ</a:t>
+            </a:r>
+            <a:r>
+              <a:rPr lang="ja-JP" altLang="en-US" sz="2900" dirty="0" smtClean="0"/>
+              <a:t>の設計と</a:t>
+            </a:r>
+            <a:r>
+              <a:rPr lang="ja-JP" altLang="en-US" sz="2900" dirty="0" smtClean="0"/>
+              <a:t>開発．</a:t>
             </a:r>
             <a:r>
               <a:rPr lang="en-US" altLang="ja-JP" sz="2900" dirty="0" smtClean="0"/>
@@ -10877,37 +10910,32 @@
             </a:r>
             <a:r>
               <a:rPr lang="ja-JP" altLang="en-US" sz="2900" dirty="0" smtClean="0"/>
-              <a:t>にアプローチする．</a:t>
+              <a:t>にアプローチする</a:t>
+            </a:r>
+            <a:r>
+              <a:rPr lang="ja-JP" altLang="en-US" sz="2900" dirty="0" smtClean="0"/>
+              <a:t>．</a:t>
+            </a:r>
+          </a:p>
+          <a:p>
+            <a:r>
+              <a:rPr lang="ja-JP" altLang="ja-JP" dirty="0" smtClean="0"/>
+              <a:t>ロードバランサと</a:t>
+            </a:r>
+            <a:r>
+              <a:rPr lang="en-US" altLang="ja-JP" dirty="0" smtClean="0"/>
+              <a:t>Web</a:t>
+            </a:r>
+            <a:r>
+              <a:rPr lang="ja-JP" altLang="ja-JP" dirty="0" smtClean="0"/>
+              <a:t>サーバのボトルネック削減</a:t>
             </a:r>
             <a:endParaRPr lang="en-US" altLang="ja-JP" sz="2900" dirty="0" smtClean="0"/>
           </a:p>
           <a:p>
             <a:r>
-              <a:rPr lang="ja-JP" altLang="ja-JP" dirty="0"/>
-              <a:t>ロードバランサと</a:t>
-            </a:r>
-            <a:r>
-              <a:rPr lang="en-US" altLang="ja-JP" dirty="0"/>
-              <a:t>Web</a:t>
-            </a:r>
-            <a:r>
-              <a:rPr lang="ja-JP" altLang="ja-JP" dirty="0"/>
-              <a:t>サーバのボトルネック削減</a:t>
-            </a:r>
-            <a:endParaRPr lang="en-US" altLang="ja-JP" sz="2900" dirty="0" smtClean="0"/>
-          </a:p>
-          <a:p>
-            <a:r>
               <a:rPr lang="ja-JP" altLang="en-US" sz="2900" dirty="0" smtClean="0"/>
-              <a:t>実験</a:t>
-            </a:r>
-            <a:r>
-              <a:rPr lang="ja-JP" altLang="en-US" sz="2900" dirty="0"/>
-              <a:t>による実現可能性の</a:t>
-            </a:r>
-            <a:r>
-              <a:rPr lang="ja-JP" altLang="en-US" sz="2900" dirty="0" smtClean="0"/>
-              <a:t>評価</a:t>
+              <a:t>実験による実現可能性の評価</a:t>
             </a:r>
             <a:endParaRPr lang="ja-JP" altLang="en-US" sz="2900" dirty="0"/>
           </a:p>
